--- a/FirebaseTalk.pptx
+++ b/FirebaseTalk.pptx
@@ -10,7 +10,7 @@
     <p:sldId id="259" r:id="rId4"/>
     <p:sldId id="258" r:id="rId5"/>
     <p:sldId id="260" r:id="rId6"/>
-    <p:sldId id="266" r:id="rId7"/>
+    <p:sldId id="268" r:id="rId7"/>
     <p:sldId id="261" r:id="rId8"/>
     <p:sldId id="262" r:id="rId9"/>
     <p:sldId id="263" r:id="rId10"/>
@@ -114,6 +114,11 @@
       </a:defRPr>
     </a:lvl9pPr>
   </p:defaultTextStyle>
+  <p:extLst>
+    <p:ext uri="{EFAFB233-063F-42B5-8137-9DF3F51BA10A}">
+      <p15:sldGuideLst xmlns:p15="http://schemas.microsoft.com/office/powerpoint/2012/main"/>
+    </p:ext>
+  </p:extLst>
 </p:presentation>
 </file>
 
@@ -248,7 +253,7 @@
           <a:p>
             <a:fld id="{ECA2F1DB-7751-4E2C-A336-676A4497737B}" type="datetimeFigureOut">
               <a:rPr lang="en-US" smtClean="0"/>
-              <a:t>5/17/2018</a:t>
+              <a:t>5/26/2018</a:t>
             </a:fld>
             <a:endParaRPr lang="en-US"/>
           </a:p>
@@ -418,7 +423,7 @@
           <a:p>
             <a:fld id="{ECA2F1DB-7751-4E2C-A336-676A4497737B}" type="datetimeFigureOut">
               <a:rPr lang="en-US" smtClean="0"/>
-              <a:t>5/17/2018</a:t>
+              <a:t>5/26/2018</a:t>
             </a:fld>
             <a:endParaRPr lang="en-US"/>
           </a:p>
@@ -598,7 +603,7 @@
           <a:p>
             <a:fld id="{ECA2F1DB-7751-4E2C-A336-676A4497737B}" type="datetimeFigureOut">
               <a:rPr lang="en-US" smtClean="0"/>
-              <a:t>5/17/2018</a:t>
+              <a:t>5/26/2018</a:t>
             </a:fld>
             <a:endParaRPr lang="en-US"/>
           </a:p>
@@ -768,7 +773,7 @@
           <a:p>
             <a:fld id="{ECA2F1DB-7751-4E2C-A336-676A4497737B}" type="datetimeFigureOut">
               <a:rPr lang="en-US" smtClean="0"/>
-              <a:t>5/17/2018</a:t>
+              <a:t>5/26/2018</a:t>
             </a:fld>
             <a:endParaRPr lang="en-US"/>
           </a:p>
@@ -1014,7 +1019,7 @@
           <a:p>
             <a:fld id="{ECA2F1DB-7751-4E2C-A336-676A4497737B}" type="datetimeFigureOut">
               <a:rPr lang="en-US" smtClean="0"/>
-              <a:t>5/17/2018</a:t>
+              <a:t>5/26/2018</a:t>
             </a:fld>
             <a:endParaRPr lang="en-US"/>
           </a:p>
@@ -1246,7 +1251,7 @@
           <a:p>
             <a:fld id="{ECA2F1DB-7751-4E2C-A336-676A4497737B}" type="datetimeFigureOut">
               <a:rPr lang="en-US" smtClean="0"/>
-              <a:t>5/17/2018</a:t>
+              <a:t>5/26/2018</a:t>
             </a:fld>
             <a:endParaRPr lang="en-US"/>
           </a:p>
@@ -1613,7 +1618,7 @@
           <a:p>
             <a:fld id="{ECA2F1DB-7751-4E2C-A336-676A4497737B}" type="datetimeFigureOut">
               <a:rPr lang="en-US" smtClean="0"/>
-              <a:t>5/17/2018</a:t>
+              <a:t>5/26/2018</a:t>
             </a:fld>
             <a:endParaRPr lang="en-US"/>
           </a:p>
@@ -1731,7 +1736,7 @@
           <a:p>
             <a:fld id="{ECA2F1DB-7751-4E2C-A336-676A4497737B}" type="datetimeFigureOut">
               <a:rPr lang="en-US" smtClean="0"/>
-              <a:t>5/17/2018</a:t>
+              <a:t>5/26/2018</a:t>
             </a:fld>
             <a:endParaRPr lang="en-US"/>
           </a:p>
@@ -1826,7 +1831,7 @@
           <a:p>
             <a:fld id="{ECA2F1DB-7751-4E2C-A336-676A4497737B}" type="datetimeFigureOut">
               <a:rPr lang="en-US" smtClean="0"/>
-              <a:t>5/17/2018</a:t>
+              <a:t>5/26/2018</a:t>
             </a:fld>
             <a:endParaRPr lang="en-US"/>
           </a:p>
@@ -2103,7 +2108,7 @@
           <a:p>
             <a:fld id="{ECA2F1DB-7751-4E2C-A336-676A4497737B}" type="datetimeFigureOut">
               <a:rPr lang="en-US" smtClean="0"/>
-              <a:t>5/17/2018</a:t>
+              <a:t>5/26/2018</a:t>
             </a:fld>
             <a:endParaRPr lang="en-US"/>
           </a:p>
@@ -2356,7 +2361,7 @@
           <a:p>
             <a:fld id="{ECA2F1DB-7751-4E2C-A336-676A4497737B}" type="datetimeFigureOut">
               <a:rPr lang="en-US" smtClean="0"/>
-              <a:t>5/17/2018</a:t>
+              <a:t>5/26/2018</a:t>
             </a:fld>
             <a:endParaRPr lang="en-US"/>
           </a:p>
@@ -2569,7 +2574,7 @@
           <a:p>
             <a:fld id="{ECA2F1DB-7751-4E2C-A336-676A4497737B}" type="datetimeFigureOut">
               <a:rPr lang="en-US" smtClean="0"/>
-              <a:t>5/17/2018</a:t>
+              <a:t>5/26/2018</a:t>
             </a:fld>
             <a:endParaRPr lang="en-US"/>
           </a:p>
@@ -3064,11 +3069,11 @@
   <p:clrMapOvr>
     <a:masterClrMapping/>
   </p:clrMapOvr>
-  <mc:AlternateContent xmlns:mc="http://schemas.openxmlformats.org/markup-compatibility/2006">
-    <mc:Choice xmlns:p14="http://schemas.microsoft.com/office/powerpoint/2010/main" Requires="p14">
+  <mc:AlternateContent xmlns:mc="http://schemas.openxmlformats.org/markup-compatibility/2006" xmlns:p14="http://schemas.microsoft.com/office/powerpoint/2010/main">
+    <mc:Choice Requires="p14">
       <p:transition p14:dur="0"/>
     </mc:Choice>
-    <mc:Fallback>
+    <mc:Fallback xmlns="">
       <p:transition/>
     </mc:Fallback>
   </mc:AlternateContent>
@@ -3242,7 +3247,7 @@
   <p:clrMapOvr>
     <a:masterClrMapping/>
   </p:clrMapOvr>
-  <p:transition spd="slow">
+  <p:transition>
     <p:push dir="u"/>
   </p:transition>
   <p:timing>
@@ -3362,7 +3367,7 @@
         </p:nvSpPr>
         <p:spPr>
           <a:xfrm>
-            <a:off x="2542902" y="230875"/>
+            <a:off x="2618098" y="6265097"/>
             <a:ext cx="9516124" cy="592903"/>
           </a:xfrm>
           <a:prstGeom prst="rect">
@@ -3562,8 +3567,8 @@
         </p:nvSpPr>
         <p:spPr>
           <a:xfrm>
-            <a:off x="7355058" y="4979854"/>
-            <a:ext cx="4651717" cy="1854700"/>
+            <a:off x="6975565" y="4339774"/>
+            <a:ext cx="5083461" cy="1854700"/>
           </a:xfrm>
           <a:prstGeom prst="rect">
             <a:avLst/>
@@ -3738,7 +3743,11 @@
             </a:lvl9pPr>
           </a:lstStyle>
           <a:p>
-            <a:pPr algn="r"/>
+            <a:pPr algn="r">
+              <a:lnSpc>
+                <a:spcPct val="100000"/>
+              </a:lnSpc>
+            </a:pPr>
             <a:r>
               <a:rPr lang="en-US" sz="2500" b="1" dirty="0" smtClean="0">
                 <a:solidFill>
@@ -3751,7 +3760,11 @@
             </a:r>
           </a:p>
           <a:p>
-            <a:pPr algn="r"/>
+            <a:pPr algn="r">
+              <a:lnSpc>
+                <a:spcPct val="100000"/>
+              </a:lnSpc>
+            </a:pPr>
             <a:r>
               <a:rPr lang="en-US" sz="2500" b="1" dirty="0" smtClean="0">
                 <a:solidFill>
@@ -3760,11 +3773,32 @@
                 <a:latin typeface="Arial" panose="020B0604020202020204" pitchFamily="34" charset="0"/>
                 <a:cs typeface="Arial" panose="020B0604020202020204" pitchFamily="34" charset="0"/>
               </a:rPr>
-              <a:t>https://github.com/vasu7052 vasugupta7052@gmail.com</a:t>
-            </a:r>
-          </a:p>
-          <a:p>
-            <a:pPr algn="r"/>
+              <a:t>https://github.com/vasu7052 </a:t>
+            </a:r>
+            <a:r>
+              <a:rPr lang="en-US" sz="2500" b="1" dirty="0">
+                <a:solidFill>
+                  <a:schemeClr val="bg1"/>
+                </a:solidFill>
+                <a:latin typeface="Arial" panose="020B0604020202020204" pitchFamily="34" charset="0"/>
+                <a:cs typeface="Arial" panose="020B0604020202020204" pitchFamily="34" charset="0"/>
+              </a:rPr>
+              <a:t>dev.vasugupta7052@gmail.com</a:t>
+            </a:r>
+            <a:endParaRPr lang="en-US" sz="2500" b="1" dirty="0" smtClean="0">
+              <a:solidFill>
+                <a:schemeClr val="bg1"/>
+              </a:solidFill>
+              <a:latin typeface="Arial" panose="020B0604020202020204" pitchFamily="34" charset="0"/>
+              <a:cs typeface="Arial" panose="020B0604020202020204" pitchFamily="34" charset="0"/>
+            </a:endParaRPr>
+          </a:p>
+          <a:p>
+            <a:pPr algn="r">
+              <a:lnSpc>
+                <a:spcPct val="100000"/>
+              </a:lnSpc>
+            </a:pPr>
             <a:r>
               <a:rPr lang="en-US" sz="2500" b="1" dirty="0">
                 <a:solidFill>
@@ -3798,7 +3832,7 @@
   <p:clrMapOvr>
     <a:masterClrMapping/>
   </p:clrMapOvr>
-  <p:transition spd="slow">
+  <p:transition>
     <p:push dir="u"/>
   </p:transition>
   <p:timing>
@@ -3916,7 +3950,7 @@
         </p:nvSpPr>
         <p:spPr>
           <a:xfrm>
-            <a:off x="647114" y="562708"/>
+            <a:off x="405620" y="569667"/>
             <a:ext cx="7598899" cy="1026233"/>
           </a:xfrm>
         </p:spPr>
@@ -4342,7 +4376,7 @@
   <p:clrMapOvr>
     <a:masterClrMapping/>
   </p:clrMapOvr>
-  <p:transition spd="slow">
+  <p:transition>
     <p:push dir="u"/>
   </p:transition>
   <p:timing>
@@ -4462,7 +4496,7 @@
   <p:clrMapOvr>
     <a:masterClrMapping/>
   </p:clrMapOvr>
-  <p:transition spd="slow">
+  <p:transition>
     <p:push dir="u"/>
   </p:transition>
   <p:timing>
@@ -4539,7 +4573,7 @@
         <p:spPr>
           <a:xfrm>
             <a:off x="436099" y="275031"/>
-            <a:ext cx="9031458" cy="6740307"/>
+            <a:ext cx="9031458" cy="6186309"/>
           </a:xfrm>
           <a:prstGeom prst="rect">
             <a:avLst/>
@@ -4694,27 +4728,7 @@
                 <a:latin typeface="Arial" panose="020B0604020202020204" pitchFamily="34" charset="0"/>
                 <a:cs typeface="Arial" panose="020B0604020202020204" pitchFamily="34" charset="0"/>
               </a:rPr>
-              <a:t>Firebase </a:t>
-            </a:r>
-            <a:r>
-              <a:rPr lang="en-US" sz="2400" dirty="0">
-                <a:solidFill>
-                  <a:schemeClr val="bg1"/>
-                </a:solidFill>
-                <a:latin typeface="Arial" panose="020B0604020202020204" pitchFamily="34" charset="0"/>
-                <a:cs typeface="Arial" panose="020B0604020202020204" pitchFamily="34" charset="0"/>
-              </a:rPr>
-              <a:t>allows you to develop the whole application on the front-end without any server-side </a:t>
-            </a:r>
-            <a:r>
-              <a:rPr lang="en-US" sz="2400" dirty="0" smtClean="0">
-                <a:solidFill>
-                  <a:schemeClr val="bg1"/>
-                </a:solidFill>
-                <a:latin typeface="Arial" panose="020B0604020202020204" pitchFamily="34" charset="0"/>
-                <a:cs typeface="Arial" panose="020B0604020202020204" pitchFamily="34" charset="0"/>
-              </a:rPr>
-              <a:t>code</a:t>
+              <a:t>Just focus on the Front-End Part</a:t>
             </a:r>
           </a:p>
           <a:p>
@@ -4842,7 +4856,7 @@
   <p:clrMapOvr>
     <a:masterClrMapping/>
   </p:clrMapOvr>
-  <p:transition spd="slow">
+  <p:transition>
     <p:push dir="u"/>
   </p:transition>
   <p:timing>
@@ -5400,7 +5414,7 @@
   <p:clrMapOvr>
     <a:masterClrMapping/>
   </p:clrMapOvr>
-  <p:transition spd="slow">
+  <p:transition>
     <p:push dir="u"/>
   </p:transition>
   <p:timing>
@@ -5438,39 +5452,11 @@
           <a:chExt cx="0" cy="0"/>
         </a:xfrm>
       </p:grpSpPr>
-      <p:sp>
-        <p:nvSpPr>
-          <p:cNvPr id="5" name="TextBox 4"/>
-          <p:cNvSpPr txBox="1"/>
-          <p:nvPr/>
-        </p:nvSpPr>
-        <p:spPr>
-          <a:xfrm>
-            <a:off x="1658214" y="1421545"/>
-            <a:ext cx="8928847" cy="5029200"/>
-          </a:xfrm>
-          <a:prstGeom prst="rect">
-            <a:avLst/>
-          </a:prstGeom>
-          <a:solidFill>
-            <a:schemeClr val="bg1"/>
-          </a:solidFill>
-        </p:spPr>
-        <p:txBody>
-          <a:bodyPr wrap="square" rtlCol="0">
-            <a:spAutoFit/>
-          </a:bodyPr>
-          <a:lstStyle/>
-          <a:p>
-            <a:endParaRPr lang="en-US" dirty="0"/>
-          </a:p>
-        </p:txBody>
-      </p:sp>
       <p:pic>
         <p:nvPicPr>
-          <p:cNvPr id="2050" name="Picture 2" descr="https://3.bp.blogspot.com/-y8EDv4ORy_Q/WCHIupPZJgI/AAAAAAAAET4/gvi202xnoWAijm7UJdWTQDJ-RO6YuUPmwCLcB/s640/Firebase.png"/>
+          <p:cNvPr id="4" name="Picture 3"/>
           <p:cNvPicPr>
-            <a:picLocks noChangeAspect="1" noChangeArrowheads="1"/>
+            <a:picLocks noChangeAspect="1"/>
           </p:cNvPicPr>
           <p:nvPr/>
         </p:nvPicPr>
@@ -5482,64 +5468,89 @@
               </a:ext>
             </a:extLst>
           </a:blip>
-          <a:srcRect/>
           <a:stretch>
             <a:fillRect/>
           </a:stretch>
         </p:blipFill>
-        <p:spPr bwMode="auto">
+        <p:spPr>
           <a:xfrm>
-            <a:off x="2208621" y="1734510"/>
-            <a:ext cx="7828031" cy="4403269"/>
+            <a:off x="9448800" y="0"/>
+            <a:ext cx="2743200" cy="2743200"/>
+          </a:xfrm>
+          <a:prstGeom prst="rect">
+            <a:avLst/>
+          </a:prstGeom>
+        </p:spPr>
+      </p:pic>
+      <p:sp>
+        <p:nvSpPr>
+          <p:cNvPr id="2" name="TextBox 1"/>
+          <p:cNvSpPr txBox="1"/>
+          <p:nvPr/>
+        </p:nvSpPr>
+        <p:spPr>
+          <a:xfrm>
+            <a:off x="540602" y="2012391"/>
+            <a:ext cx="9031458" cy="2862322"/>
           </a:xfrm>
           <a:prstGeom prst="rect">
             <a:avLst/>
           </a:prstGeom>
           <a:noFill/>
-          <a:extLst>
-            <a:ext uri="{909E8E84-426E-40DD-AFC4-6F175D3DCCD1}">
-              <a14:hiddenFill xmlns:a14="http://schemas.microsoft.com/office/drawing/2010/main">
-                <a:solidFill>
-                  <a:srgbClr val="FFFFFF"/>
-                </a:solidFill>
-              </a14:hiddenFill>
-            </a:ext>
-          </a:extLst>
         </p:spPr>
-      </p:pic>
-      <p:sp>
-        <p:nvSpPr>
-          <p:cNvPr id="7" name="Subtitle 2"/>
-          <p:cNvSpPr>
-            <a:spLocks noGrp="1"/>
-          </p:cNvSpPr>
-          <p:nvPr>
-            <p:ph type="subTitle" idx="1"/>
-          </p:nvPr>
-        </p:nvSpPr>
-        <p:spPr>
-          <a:xfrm>
-            <a:off x="715704" y="281033"/>
-            <a:ext cx="11015003" cy="984030"/>
-          </a:xfrm>
-        </p:spPr>
-        <p:txBody>
-          <a:bodyPr>
-            <a:noAutofit/>
+        <p:txBody>
+          <a:bodyPr wrap="square" rtlCol="0">
+            <a:spAutoFit/>
           </a:bodyPr>
           <a:lstStyle/>
           <a:p>
-            <a:r>
-              <a:rPr lang="en-US" sz="5000" b="1" dirty="0" smtClean="0">
-                <a:solidFill>
-                  <a:schemeClr val="bg1"/>
-                </a:solidFill>
-                <a:latin typeface="Arial" panose="020B0604020202020204" pitchFamily="34" charset="0"/>
-                <a:cs typeface="Arial" panose="020B0604020202020204" pitchFamily="34" charset="0"/>
-              </a:rPr>
-              <a:t>Yes, you can Earn Also!</a:t>
-            </a:r>
-            <a:endParaRPr lang="en-US" sz="5000" b="1" dirty="0">
+            <a:pPr marL="342900" indent="-342900">
+              <a:lnSpc>
+                <a:spcPct val="150000"/>
+              </a:lnSpc>
+              <a:buFont typeface="Arial" panose="020B0604020202020204" pitchFamily="34" charset="0"/>
+              <a:buChar char="•"/>
+            </a:pPr>
+            <a:r>
+              <a:rPr lang="en-US" sz="2400" dirty="0">
+                <a:solidFill>
+                  <a:schemeClr val="bg1"/>
+                </a:solidFill>
+                <a:latin typeface="Arial" panose="020B0604020202020204" pitchFamily="34" charset="0"/>
+                <a:cs typeface="Arial" panose="020B0604020202020204" pitchFamily="34" charset="0"/>
+              </a:rPr>
+              <a:t>Introducing ML Kit into public beta</a:t>
+            </a:r>
+          </a:p>
+          <a:p>
+            <a:pPr marL="342900" indent="-342900">
+              <a:lnSpc>
+                <a:spcPct val="150000"/>
+              </a:lnSpc>
+              <a:buFont typeface="Arial" panose="020B0604020202020204" pitchFamily="34" charset="0"/>
+              <a:buChar char="•"/>
+            </a:pPr>
+            <a:r>
+              <a:rPr lang="en-US" sz="2400" dirty="0">
+                <a:solidFill>
+                  <a:schemeClr val="bg1"/>
+                </a:solidFill>
+                <a:latin typeface="Arial" panose="020B0604020202020204" pitchFamily="34" charset="0"/>
+                <a:cs typeface="Arial" panose="020B0604020202020204" pitchFamily="34" charset="0"/>
+              </a:rPr>
+              <a:t>Improving Performance </a:t>
+            </a:r>
+            <a:r>
+              <a:rPr lang="en-US" sz="2400" dirty="0" smtClean="0">
+                <a:solidFill>
+                  <a:schemeClr val="bg1"/>
+                </a:solidFill>
+                <a:latin typeface="Arial" panose="020B0604020202020204" pitchFamily="34" charset="0"/>
+                <a:cs typeface="Arial" panose="020B0604020202020204" pitchFamily="34" charset="0"/>
+              </a:rPr>
+              <a:t>Monitoring</a:t>
+            </a:r>
+            <a:endParaRPr lang="en-US" sz="2400" dirty="0">
               <a:solidFill>
                 <a:schemeClr val="bg1"/>
               </a:solidFill>
@@ -5547,19 +5558,145 @@
               <a:cs typeface="Arial" panose="020B0604020202020204" pitchFamily="34" charset="0"/>
             </a:endParaRPr>
           </a:p>
+          <a:p>
+            <a:pPr marL="342900" indent="-342900">
+              <a:lnSpc>
+                <a:spcPct val="150000"/>
+              </a:lnSpc>
+              <a:buFont typeface="Arial" panose="020B0604020202020204" pitchFamily="34" charset="0"/>
+              <a:buChar char="•"/>
+            </a:pPr>
+            <a:r>
+              <a:rPr lang="en-US" sz="2400" dirty="0" smtClean="0">
+                <a:solidFill>
+                  <a:schemeClr val="bg1"/>
+                </a:solidFill>
+                <a:latin typeface="Arial" panose="020B0604020202020204" pitchFamily="34" charset="0"/>
+                <a:cs typeface="Arial" panose="020B0604020202020204" pitchFamily="34" charset="0"/>
+              </a:rPr>
+              <a:t>Better </a:t>
+            </a:r>
+            <a:r>
+              <a:rPr lang="en-US" sz="2400" dirty="0">
+                <a:solidFill>
+                  <a:schemeClr val="bg1"/>
+                </a:solidFill>
+                <a:latin typeface="Arial" panose="020B0604020202020204" pitchFamily="34" charset="0"/>
+                <a:cs typeface="Arial" panose="020B0604020202020204" pitchFamily="34" charset="0"/>
+              </a:rPr>
+              <a:t>analytics and access management </a:t>
+            </a:r>
+            <a:r>
+              <a:rPr lang="en-US" sz="2400" dirty="0" smtClean="0">
+                <a:solidFill>
+                  <a:schemeClr val="bg1"/>
+                </a:solidFill>
+                <a:latin typeface="Arial" panose="020B0604020202020204" pitchFamily="34" charset="0"/>
+                <a:cs typeface="Arial" panose="020B0604020202020204" pitchFamily="34" charset="0"/>
+              </a:rPr>
+              <a:t>controls</a:t>
+            </a:r>
+          </a:p>
+          <a:p>
+            <a:pPr marL="342900" indent="-342900">
+              <a:lnSpc>
+                <a:spcPct val="150000"/>
+              </a:lnSpc>
+              <a:buFont typeface="Arial" panose="020B0604020202020204" pitchFamily="34" charset="0"/>
+              <a:buChar char="•"/>
+            </a:pPr>
+            <a:r>
+              <a:rPr lang="en-US" sz="2400" dirty="0" smtClean="0">
+                <a:solidFill>
+                  <a:schemeClr val="bg1"/>
+                </a:solidFill>
+                <a:latin typeface="Arial" panose="020B0604020202020204" pitchFamily="34" charset="0"/>
+                <a:cs typeface="Arial" panose="020B0604020202020204" pitchFamily="34" charset="0"/>
+              </a:rPr>
+              <a:t>Expanding </a:t>
+            </a:r>
+            <a:r>
+              <a:rPr lang="en-US" sz="2400" dirty="0">
+                <a:solidFill>
+                  <a:schemeClr val="bg1"/>
+                </a:solidFill>
+                <a:latin typeface="Arial" panose="020B0604020202020204" pitchFamily="34" charset="0"/>
+                <a:cs typeface="Arial" panose="020B0604020202020204" pitchFamily="34" charset="0"/>
+              </a:rPr>
+              <a:t>Firebase Test Lab to iOS</a:t>
+            </a:r>
+          </a:p>
+          <a:p>
+            <a:pPr marL="342900" indent="-342900">
+              <a:lnSpc>
+                <a:spcPct val="150000"/>
+              </a:lnSpc>
+              <a:buFont typeface="Arial" panose="020B0604020202020204" pitchFamily="34" charset="0"/>
+              <a:buChar char="•"/>
+            </a:pPr>
+            <a:endParaRPr lang="en-US" sz="2400" dirty="0">
+              <a:solidFill>
+                <a:schemeClr val="bg1"/>
+              </a:solidFill>
+              <a:latin typeface="Arial" panose="020B0604020202020204" pitchFamily="34" charset="0"/>
+              <a:cs typeface="Arial" panose="020B0604020202020204" pitchFamily="34" charset="0"/>
+            </a:endParaRPr>
+          </a:p>
+        </p:txBody>
+      </p:sp>
+      <p:sp>
+        <p:nvSpPr>
+          <p:cNvPr id="5" name="Subtitle 2"/>
+          <p:cNvSpPr>
+            <a:spLocks noGrp="1"/>
+          </p:cNvSpPr>
+          <p:nvPr>
+            <p:ph type="subTitle" idx="1"/>
+          </p:nvPr>
+        </p:nvSpPr>
+        <p:spPr>
+          <a:xfrm>
+            <a:off x="106936" y="514181"/>
+            <a:ext cx="9341864" cy="984030"/>
+          </a:xfrm>
+        </p:spPr>
+        <p:txBody>
+          <a:bodyPr>
+            <a:noAutofit/>
+          </a:bodyPr>
+          <a:lstStyle/>
+          <a:p>
+            <a:r>
+              <a:rPr lang="en-US" sz="6000" b="1" dirty="0" smtClean="0">
+                <a:solidFill>
+                  <a:schemeClr val="bg1"/>
+                </a:solidFill>
+                <a:latin typeface="Arial" panose="020B0604020202020204" pitchFamily="34" charset="0"/>
+                <a:cs typeface="Arial" panose="020B0604020202020204" pitchFamily="34" charset="0"/>
+              </a:rPr>
+              <a:t>“What’s” New at I/O 2k18</a:t>
+            </a:r>
+            <a:endParaRPr lang="en-US" sz="6000" b="1" dirty="0">
+              <a:solidFill>
+                <a:schemeClr val="bg1"/>
+              </a:solidFill>
+              <a:latin typeface="Arial" panose="020B0604020202020204" pitchFamily="34" charset="0"/>
+              <a:cs typeface="Arial" panose="020B0604020202020204" pitchFamily="34" charset="0"/>
+            </a:endParaRPr>
+          </a:p>
         </p:txBody>
       </p:sp>
     </p:spTree>
     <p:extLst>
       <p:ext uri="{BB962C8B-B14F-4D97-AF65-F5344CB8AC3E}">
-        <p14:creationId xmlns:p14="http://schemas.microsoft.com/office/powerpoint/2010/main" val="1629858391"/>
+        <p14:creationId xmlns:p14="http://schemas.microsoft.com/office/powerpoint/2010/main" val="2772098526"/>
       </p:ext>
     </p:extLst>
   </p:cSld>
   <p:clrMapOvr>
     <a:masterClrMapping/>
   </p:clrMapOvr>
-  <p:transition spd="slow">
+  <p:transition>
     <p:push dir="u"/>
   </p:transition>
   <p:timing>
@@ -5844,7 +5981,7 @@
   <p:clrMapOvr>
     <a:masterClrMapping/>
   </p:clrMapOvr>
-  <p:transition spd="slow">
+  <p:transition>
     <p:push dir="u"/>
   </p:transition>
   <p:timing>
@@ -5994,7 +6131,7 @@
   <p:clrMapOvr>
     <a:masterClrMapping/>
   </p:clrMapOvr>
-  <p:transition spd="slow">
+  <p:transition>
     <p:push dir="u"/>
   </p:transition>
   <p:timing>
@@ -6041,7 +6178,7 @@
         <p:spPr>
           <a:xfrm>
             <a:off x="422031" y="1540059"/>
-            <a:ext cx="9706708" cy="5078313"/>
+            <a:ext cx="9706708" cy="2862322"/>
           </a:xfrm>
           <a:prstGeom prst="rect">
             <a:avLst/>
@@ -6069,7 +6206,7 @@
                 <a:latin typeface="Arial" panose="020B0604020202020204" pitchFamily="34" charset="0"/>
                 <a:cs typeface="Arial" panose="020B0604020202020204" pitchFamily="34" charset="0"/>
               </a:rPr>
-              <a:t>Firebase is also not ideal if your application requires continuous processing on server side (especially when data has to be </a:t>
+              <a:t>Firebase is also not ideal if your application requires continuous processing on server </a:t>
             </a:r>
             <a:r>
               <a:rPr lang="en-US" sz="2400" dirty="0" smtClean="0">
@@ -6079,7 +6216,7 @@
                 <a:latin typeface="Arial" panose="020B0604020202020204" pitchFamily="34" charset="0"/>
                 <a:cs typeface="Arial" panose="020B0604020202020204" pitchFamily="34" charset="0"/>
               </a:rPr>
-              <a:t>analyzed </a:t>
+              <a:t>side.</a:t>
             </a:r>
             <a:r>
               <a:rPr lang="en-US" sz="2400" dirty="0">
@@ -6089,7 +6226,7 @@
                 <a:latin typeface="Arial" panose="020B0604020202020204" pitchFamily="34" charset="0"/>
                 <a:cs typeface="Arial" panose="020B0604020202020204" pitchFamily="34" charset="0"/>
               </a:rPr>
-              <a:t>before there is some display to your users real-time based on the result). </a:t>
+              <a:t> </a:t>
             </a:r>
             <a:endParaRPr lang="en-US" sz="2400" dirty="0" smtClean="0">
               <a:solidFill>
@@ -6134,7 +6271,7 @@
                 <a:latin typeface="Arial" panose="020B0604020202020204" pitchFamily="34" charset="0"/>
                 <a:cs typeface="Arial" panose="020B0604020202020204" pitchFamily="34" charset="0"/>
               </a:rPr>
-              <a:t> With Firebase, you are free to choose the pricing plan - but the one fitting for the real time applications is a “pay as you go” one</a:t>
+              <a:t> With Firebase, you are free to choose the pricing plan - but the one fitting for the real time applications is a “pay as you go” </a:t>
             </a:r>
             <a:r>
               <a:rPr lang="en-US" sz="2400" dirty="0" smtClean="0">
@@ -6144,27 +6281,15 @@
                 <a:latin typeface="Arial" panose="020B0604020202020204" pitchFamily="34" charset="0"/>
                 <a:cs typeface="Arial" panose="020B0604020202020204" pitchFamily="34" charset="0"/>
               </a:rPr>
-              <a:t>.</a:t>
-            </a:r>
-          </a:p>
-          <a:p>
-            <a:pPr marL="285750" indent="-285750">
-              <a:lnSpc>
-                <a:spcPct val="150000"/>
-              </a:lnSpc>
-              <a:buFont typeface="Arial" panose="020B0604020202020204" pitchFamily="34" charset="0"/>
-              <a:buChar char="•"/>
-            </a:pPr>
-            <a:r>
-              <a:rPr lang="en-US" sz="2400" dirty="0">
-                <a:solidFill>
-                  <a:schemeClr val="bg1"/>
-                </a:solidFill>
-                <a:latin typeface="Arial" panose="020B0604020202020204" pitchFamily="34" charset="0"/>
-                <a:cs typeface="Arial" panose="020B0604020202020204" pitchFamily="34" charset="0"/>
-              </a:rPr>
-              <a:t> It has a manual tree like data explorer but becomes complicated or difficult to traverse as dataset goes bigger.</a:t>
-            </a:r>
+              <a:t>one</a:t>
+            </a:r>
+            <a:endParaRPr lang="en-US" sz="2400" dirty="0" smtClean="0">
+              <a:solidFill>
+                <a:schemeClr val="bg1"/>
+              </a:solidFill>
+              <a:latin typeface="Arial" panose="020B0604020202020204" pitchFamily="34" charset="0"/>
+              <a:cs typeface="Arial" panose="020B0604020202020204" pitchFamily="34" charset="0"/>
+            </a:endParaRPr>
           </a:p>
         </p:txBody>
       </p:sp>
@@ -6250,7 +6375,7 @@
   <p:clrMapOvr>
     <a:masterClrMapping/>
   </p:clrMapOvr>
-  <p:transition spd="slow">
+  <p:transition>
     <p:push dir="u"/>
   </p:transition>
   <p:timing>
